--- a/PPTs/SIH1305 ChatBot.pptx
+++ b/PPTs/SIH1305 ChatBot.pptx
@@ -11,7 +11,7 @@
     <p:sldId id="256" r:id="rId2"/>
     <p:sldId id="257" r:id="rId3"/>
     <p:sldId id="260" r:id="rId4"/>
-    <p:sldId id="259" r:id="rId5"/>
+    <p:sldId id="262" r:id="rId5"/>
   </p:sldIdLst>
   <p:sldSz cx="12192000" cy="6858000"/>
   <p:notesSz cx="6858000" cy="9144000"/>
@@ -290,7 +290,7 @@
       </p15:sldGuideLst>
     </p:ext>
     <p:ext uri="http://customooxmlschemas.google.com/">
-      <go:slidesCustomData xmlns="" xmlns:mc="http://schemas.openxmlformats.org/markup-compatibility/2006" xmlns:mv="urn:schemas-microsoft-com:mac:vml" xmlns:c="http://schemas.openxmlformats.org/drawingml/2006/chart" xmlns:dgm="http://schemas.openxmlformats.org/drawingml/2006/diagram" xmlns:o="urn:schemas-microsoft-com:office:office" xmlns:v="urn:schemas-microsoft-com:vml" xmlns:pvml="urn:schemas-microsoft-com:office:powerpoint" xmlns:com="http://schemas.openxmlformats.org/drawingml/2006/compatibility" xmlns:p14="http://schemas.microsoft.com/office/powerpoint/2010/main" xmlns:p15="http://schemas.microsoft.com/office/powerpoint/2012/main" xmlns:ahyp="http://schemas.microsoft.com/office/drawing/2018/hyperlinkcolor" xmlns:go="http://customooxmlschemas.google.com/" r:id="rId22" roundtripDataSignature="AMtx7mi1sBDdHb2XsYteFNPHBFMUQvu/sQ=="/>
+      <go:slidesCustomData xmlns:go="http://customooxmlschemas.google.com/" xmlns:ahyp="http://schemas.microsoft.com/office/drawing/2018/hyperlinkcolor" xmlns:p15="http://schemas.microsoft.com/office/powerpoint/2012/main" xmlns:p14="http://schemas.microsoft.com/office/powerpoint/2010/main" xmlns:com="http://schemas.openxmlformats.org/drawingml/2006/compatibility" xmlns:pvml="urn:schemas-microsoft-com:office:powerpoint" xmlns:v="urn:schemas-microsoft-com:vml" xmlns:o="urn:schemas-microsoft-com:office:office" xmlns:dgm="http://schemas.openxmlformats.org/drawingml/2006/diagram" xmlns:c="http://schemas.openxmlformats.org/drawingml/2006/chart" xmlns:mv="urn:schemas-microsoft-com:mac:vml" xmlns:mc="http://schemas.openxmlformats.org/markup-compatibility/2006" xmlns="" r:id="rId22" roundtripDataSignature="AMtx7mi1sBDdHb2XsYteFNPHBFMUQvu/sQ=="/>
     </p:ext>
   </p:extLst>
 </p:presentation>
@@ -1927,11 +1927,6 @@
         </p:spPr>
       </p:sp>
     </p:spTree>
-    <p:extLst>
-      <p:ext uri="{BB962C8B-B14F-4D97-AF65-F5344CB8AC3E}">
-        <p14:creationId xmlns:p14="http://schemas.microsoft.com/office/powerpoint/2010/main" val="3261395458"/>
-      </p:ext>
-    </p:extLst>
   </p:cSld>
   <p:clrMapOvr>
     <a:masterClrMapping/>
@@ -24439,7 +24434,7 @@
               <a:t> </a:t>
             </a:r>
             <a:r>
-              <a:rPr lang="en-US" b="1" dirty="0">
+              <a:rPr lang="en-US" b="1">
                 <a:solidFill>
                   <a:schemeClr val="tx1"/>
                 </a:solidFill>
@@ -24448,7 +24443,7 @@
                 <a:cs typeface="Franklin Gothic"/>
                 <a:sym typeface="Franklin Gothic"/>
               </a:rPr>
-              <a:t>Growth Guards</a:t>
+              <a:t>GrowGuards</a:t>
             </a:r>
             <a:br>
               <a:rPr lang="en-IN" dirty="0">
@@ -29171,65 +29166,10 @@
               <a:buSzPts val="1200"/>
               <a:buNone/>
             </a:pPr>
-            <a:r>
-              <a:rPr lang="en-US" sz="1200" b="1" dirty="0">
-                <a:solidFill>
-                  <a:srgbClr val="804160"/>
-                </a:solidFill>
-                <a:latin typeface="Tahoma" panose="020B0604030504040204" pitchFamily="34" charset="0"/>
-                <a:ea typeface="Tahoma" panose="020B0604030504040204" pitchFamily="34" charset="0"/>
-                <a:cs typeface="Tahoma" panose="020B0604030504040204" pitchFamily="34" charset="0"/>
-              </a:rPr>
-              <a:t>Team Mentor 1 Name: Type Your Name Here</a:t>
-            </a:r>
-            <a:endParaRPr dirty="0">
-              <a:latin typeface="Tahoma" panose="020B0604030504040204" pitchFamily="34" charset="0"/>
-              <a:ea typeface="Tahoma" panose="020B0604030504040204" pitchFamily="34" charset="0"/>
-              <a:cs typeface="Tahoma" panose="020B0604030504040204" pitchFamily="34" charset="0"/>
-            </a:endParaRPr>
-          </a:p>
-          <a:p>
-            <a:pPr marL="0" lvl="0" indent="0" algn="l" rtl="0">
-              <a:lnSpc>
-                <a:spcPct val="90000"/>
-              </a:lnSpc>
-              <a:spcBef>
-                <a:spcPts val="1000"/>
-              </a:spcBef>
-              <a:spcAft>
-                <a:spcPts val="0"/>
-              </a:spcAft>
-              <a:buClr>
-                <a:schemeClr val="dk1"/>
-              </a:buClr>
-              <a:buSzPts val="1200"/>
-              <a:buNone/>
-            </a:pPr>
-            <a:r>
-              <a:rPr lang="en-US" sz="1200" dirty="0">
-                <a:latin typeface="Tahoma" panose="020B0604030504040204" pitchFamily="34" charset="0"/>
-                <a:ea typeface="Tahoma" panose="020B0604030504040204" pitchFamily="34" charset="0"/>
-                <a:cs typeface="Tahoma" panose="020B0604030504040204" pitchFamily="34" charset="0"/>
-              </a:rPr>
-              <a:t>Category (Academic/Industry): 			Expertise (AI/ML/Blockchain </a:t>
-            </a:r>
-            <a:r>
-              <a:rPr lang="en-US" sz="1200" dirty="0" err="1">
-                <a:latin typeface="Tahoma" panose="020B0604030504040204" pitchFamily="34" charset="0"/>
-                <a:ea typeface="Tahoma" panose="020B0604030504040204" pitchFamily="34" charset="0"/>
-                <a:cs typeface="Tahoma" panose="020B0604030504040204" pitchFamily="34" charset="0"/>
-              </a:rPr>
-              <a:t>etc</a:t>
-            </a:r>
-            <a:r>
-              <a:rPr lang="en-US" sz="1200" dirty="0">
-                <a:latin typeface="Tahoma" panose="020B0604030504040204" pitchFamily="34" charset="0"/>
-                <a:ea typeface="Tahoma" panose="020B0604030504040204" pitchFamily="34" charset="0"/>
-                <a:cs typeface="Tahoma" panose="020B0604030504040204" pitchFamily="34" charset="0"/>
-              </a:rPr>
-              <a:t>): 		Domain Experience (in years):    </a:t>
-            </a:r>
-            <a:endParaRPr dirty="0">
+            <a:endParaRPr lang="en-US" sz="1200" b="1" dirty="0">
+              <a:solidFill>
+                <a:srgbClr val="804160"/>
+              </a:solidFill>
               <a:latin typeface="Tahoma" panose="020B0604030504040204" pitchFamily="34" charset="0"/>
               <a:ea typeface="Tahoma" panose="020B0604030504040204" pitchFamily="34" charset="0"/>
               <a:cs typeface="Tahoma" panose="020B0604030504040204" pitchFamily="34" charset="0"/>
@@ -29261,9 +29201,23 @@
                 <a:ea typeface="Tahoma" panose="020B0604030504040204" pitchFamily="34" charset="0"/>
                 <a:cs typeface="Tahoma" panose="020B0604030504040204" pitchFamily="34" charset="0"/>
               </a:rPr>
-              <a:t>Team Mentor 2 Name: Type Your Name Here</a:t>
+              <a:t>Team Mentor 1 Name: </a:t>
+            </a:r>
+            <a:r>
+              <a:rPr lang="en-US" sz="1200" b="1" dirty="0">
+                <a:solidFill>
+                  <a:schemeClr val="tx1"/>
+                </a:solidFill>
+                <a:latin typeface="Tahoma" panose="020B0604030504040204" pitchFamily="34" charset="0"/>
+                <a:ea typeface="Tahoma" panose="020B0604030504040204" pitchFamily="34" charset="0"/>
+                <a:cs typeface="Tahoma" panose="020B0604030504040204" pitchFamily="34" charset="0"/>
+              </a:rPr>
+              <a:t>PROF. RACHANA CHAUDHARI</a:t>
             </a:r>
             <a:endParaRPr dirty="0">
+              <a:solidFill>
+                <a:schemeClr val="tx1"/>
+              </a:solidFill>
               <a:latin typeface="Tahoma" panose="020B0604030504040204" pitchFamily="34" charset="0"/>
               <a:ea typeface="Tahoma" panose="020B0604030504040204" pitchFamily="34" charset="0"/>
               <a:cs typeface="Tahoma" panose="020B0604030504040204" pitchFamily="34" charset="0"/>
@@ -29292,15 +29246,15 @@
                 <a:ea typeface="Tahoma" panose="020B0604030504040204" pitchFamily="34" charset="0"/>
                 <a:cs typeface="Tahoma" panose="020B0604030504040204" pitchFamily="34" charset="0"/>
               </a:rPr>
-              <a:t>Category (Academic/Industry):		 	Expertise (AI/ML/Blockchain </a:t>
+              <a:t>Category : </a:t>
             </a:r>
             <a:r>
-              <a:rPr lang="en-US" sz="1200" dirty="0" err="1">
+              <a:rPr lang="en-US" sz="1200" b="1" dirty="0">
                 <a:latin typeface="Tahoma" panose="020B0604030504040204" pitchFamily="34" charset="0"/>
                 <a:ea typeface="Tahoma" panose="020B0604030504040204" pitchFamily="34" charset="0"/>
                 <a:cs typeface="Tahoma" panose="020B0604030504040204" pitchFamily="34" charset="0"/>
               </a:rPr>
-              <a:t>etc</a:t>
+              <a:t>Academic</a:t>
             </a:r>
             <a:r>
               <a:rPr lang="en-US" sz="1200" dirty="0">
@@ -29308,7 +29262,42 @@
                 <a:ea typeface="Tahoma" panose="020B0604030504040204" pitchFamily="34" charset="0"/>
                 <a:cs typeface="Tahoma" panose="020B0604030504040204" pitchFamily="34" charset="0"/>
               </a:rPr>
-              <a:t>): 		Domain Experience (in years):    </a:t>
+              <a:t>				Expertise: </a:t>
+            </a:r>
+            <a:r>
+              <a:rPr lang="en-US" sz="1200" b="1" dirty="0">
+                <a:solidFill>
+                  <a:schemeClr val="tx1"/>
+                </a:solidFill>
+                <a:latin typeface="Tahoma" panose="020B0604030504040204" pitchFamily="34" charset="0"/>
+                <a:ea typeface="Tahoma" panose="020B0604030504040204" pitchFamily="34" charset="0"/>
+                <a:cs typeface="Tahoma" panose="020B0604030504040204" pitchFamily="34" charset="0"/>
+              </a:rPr>
+              <a:t>Web and Mobile Development</a:t>
+            </a:r>
+            <a:r>
+              <a:rPr lang="en-US" sz="1200" dirty="0">
+                <a:latin typeface="Tahoma" panose="020B0604030504040204" pitchFamily="34" charset="0"/>
+                <a:ea typeface="Tahoma" panose="020B0604030504040204" pitchFamily="34" charset="0"/>
+                <a:cs typeface="Tahoma" panose="020B0604030504040204" pitchFamily="34" charset="0"/>
+              </a:rPr>
+              <a:t>	Domain Experience (in years): </a:t>
+            </a:r>
+            <a:r>
+              <a:rPr lang="en-US" sz="1200" b="1" dirty="0">
+                <a:latin typeface="Tahoma" panose="020B0604030504040204" pitchFamily="34" charset="0"/>
+                <a:ea typeface="Tahoma" panose="020B0604030504040204" pitchFamily="34" charset="0"/>
+                <a:cs typeface="Tahoma" panose="020B0604030504040204" pitchFamily="34" charset="0"/>
+              </a:rPr>
+              <a:t>9</a:t>
+            </a:r>
+            <a:r>
+              <a:rPr lang="en-US" sz="1200" dirty="0">
+                <a:latin typeface="Tahoma" panose="020B0604030504040204" pitchFamily="34" charset="0"/>
+                <a:ea typeface="Tahoma" panose="020B0604030504040204" pitchFamily="34" charset="0"/>
+                <a:cs typeface="Tahoma" panose="020B0604030504040204" pitchFamily="34" charset="0"/>
+              </a:rPr>
+              <a:t>   </a:t>
             </a:r>
             <a:endParaRPr dirty="0">
               <a:latin typeface="Tahoma" panose="020B0604030504040204" pitchFamily="34" charset="0"/>

--- a/PPTs/SIH1305 ChatBot.pptx
+++ b/PPTs/SIH1305 ChatBot.pptx
@@ -24365,11 +24365,23 @@
                 <a:solidFill>
                   <a:schemeClr val="tx1"/>
                 </a:solidFill>
+                <a:latin typeface="+mj-lt"/>
+                <a:ea typeface="Franklin Gothic"/>
+                <a:cs typeface="Franklin Gothic"/>
+                <a:sym typeface="Franklin Gothic"/>
+              </a:rPr>
+              <a:t>SIH</a:t>
+            </a:r>
+            <a:r>
+              <a:rPr lang="en-US" b="1" dirty="0">
+                <a:solidFill>
+                  <a:schemeClr val="tx1"/>
+                </a:solidFill>
               </a:rPr>
               <a:t>1305</a:t>
             </a:r>
             <a:br>
-              <a:rPr lang="en-US" dirty="0">
+              <a:rPr lang="en-US" b="1" dirty="0">
                 <a:latin typeface="Tahoma" panose="020B0604030504040204" pitchFamily="34" charset="0"/>
                 <a:ea typeface="Tahoma" panose="020B0604030504040204" pitchFamily="34" charset="0"/>
                 <a:cs typeface="Tahoma" panose="020B0604030504040204" pitchFamily="34" charset="0"/>
@@ -24434,7 +24446,7 @@
               <a:t> </a:t>
             </a:r>
             <a:r>
-              <a:rPr lang="en-US" b="1">
+              <a:rPr lang="en-US" b="1" dirty="0">
                 <a:solidFill>
                   <a:schemeClr val="tx1"/>
                 </a:solidFill>
@@ -27759,7 +27771,7 @@
         </p:nvSpPr>
         <p:spPr>
           <a:xfrm>
-            <a:off x="5570376" y="5318449"/>
+            <a:off x="5556380" y="5332909"/>
             <a:ext cx="1950098" cy="867747"/>
           </a:xfrm>
           <a:prstGeom prst="roundRect">
@@ -27844,9 +27856,9 @@
           <p:nvPr/>
         </p:nvCxnSpPr>
         <p:spPr>
-          <a:xfrm rot="16200000" flipH="1">
-            <a:off x="6090563" y="4863587"/>
-            <a:ext cx="895728" cy="13996"/>
+          <a:xfrm>
+            <a:off x="6531429" y="4422721"/>
+            <a:ext cx="0" cy="910188"/>
           </a:xfrm>
           <a:prstGeom prst="straightConnector1">
             <a:avLst/>
@@ -27856,13 +27868,13 @@
           </a:ln>
         </p:spPr>
         <p:style>
-          <a:lnRef idx="2">
+          <a:lnRef idx="1">
             <a:schemeClr val="dk1"/>
           </a:lnRef>
           <a:fillRef idx="0">
             <a:schemeClr val="dk1"/>
           </a:fillRef>
-          <a:effectRef idx="1">
+          <a:effectRef idx="0">
             <a:schemeClr val="dk1"/>
           </a:effectRef>
           <a:fontRef idx="minor">
@@ -27880,9 +27892,9 @@
           <p:nvPr/>
         </p:nvCxnSpPr>
         <p:spPr>
-          <a:xfrm>
-            <a:off x="7520474" y="5752323"/>
-            <a:ext cx="1735494" cy="4676"/>
+          <a:xfrm flipV="1">
+            <a:off x="7506478" y="5756999"/>
+            <a:ext cx="1749490" cy="9784"/>
           </a:xfrm>
           <a:prstGeom prst="straightConnector1">
             <a:avLst/>
@@ -27892,13 +27904,13 @@
           </a:ln>
         </p:spPr>
         <p:style>
-          <a:lnRef idx="2">
+          <a:lnRef idx="1">
             <a:schemeClr val="dk1"/>
           </a:lnRef>
           <a:fillRef idx="0">
             <a:schemeClr val="dk1"/>
           </a:fillRef>
-          <a:effectRef idx="1">
+          <a:effectRef idx="0">
             <a:schemeClr val="dk1"/>
           </a:effectRef>
           <a:fontRef idx="minor">
@@ -27923,7 +27935,7 @@
         </p:blipFill>
         <p:spPr bwMode="auto">
           <a:xfrm>
-            <a:off x="5253134" y="3743142"/>
+            <a:off x="5018313" y="3756583"/>
             <a:ext cx="715351" cy="715351"/>
           </a:xfrm>
           <a:prstGeom prst="rect">
@@ -27940,7 +27952,7 @@
         </p:nvSpPr>
         <p:spPr>
           <a:xfrm>
-            <a:off x="5085183" y="4534689"/>
+            <a:off x="4824071" y="4486147"/>
             <a:ext cx="1160895" cy="253916"/>
           </a:xfrm>
           <a:prstGeom prst="rect">
@@ -27964,7 +27976,7 @@
       </p:sp>
       <p:pic>
         <p:nvPicPr>
-          <p:cNvPr id="2052" name="Picture 4" descr="C:\Users\Dell\Downloads\happy-customers.png"/>
+          <p:cNvPr id="2053" name="Picture 5" descr="C:\Users\Dell\Downloads\apply.png"/>
           <p:cNvPicPr>
             <a:picLocks noChangeAspect="1" noChangeArrowheads="1"/>
           </p:cNvPicPr>
@@ -27972,32 +27984,6 @@
         </p:nvPicPr>
         <p:blipFill>
           <a:blip r:embed="rId4"/>
-          <a:srcRect/>
-          <a:stretch>
-            <a:fillRect/>
-          </a:stretch>
-        </p:blipFill>
-        <p:spPr bwMode="auto">
-          <a:xfrm>
-            <a:off x="11000793" y="5292024"/>
-            <a:ext cx="734348" cy="734348"/>
-          </a:xfrm>
-          <a:prstGeom prst="rect">
-            <a:avLst/>
-          </a:prstGeom>
-          <a:noFill/>
-        </p:spPr>
-      </p:pic>
-      <p:pic>
-        <p:nvPicPr>
-          <p:cNvPr id="2053" name="Picture 5" descr="C:\Users\Dell\Downloads\apply.png"/>
-          <p:cNvPicPr>
-            <a:picLocks noChangeAspect="1" noChangeArrowheads="1"/>
-          </p:cNvPicPr>
-          <p:nvPr/>
-        </p:nvPicPr>
-        <p:blipFill>
-          <a:blip r:embed="rId5"/>
           <a:srcRect/>
           <a:stretch>
             <a:fillRect/>
@@ -28022,7 +28008,7 @@
         </p:nvSpPr>
         <p:spPr>
           <a:xfrm>
-            <a:off x="10935477" y="6074240"/>
+            <a:off x="10935476" y="5885814"/>
             <a:ext cx="859531" cy="246221"/>
           </a:xfrm>
           <a:prstGeom prst="rect">
@@ -28221,7 +28207,7 @@
         <p:spPr>
           <a:xfrm>
             <a:off x="8437983" y="1654627"/>
-            <a:ext cx="3265715" cy="2492990"/>
+            <a:ext cx="3265715" cy="1938992"/>
           </a:xfrm>
           <a:prstGeom prst="rect">
             <a:avLst/>
@@ -28234,9 +28220,9 @@
           </a:bodyPr>
           <a:lstStyle/>
           <a:p>
-            <a:pPr lvl="1" algn="just">
-              <a:buFont typeface="Wingdings" pitchFamily="2" charset="2"/>
-              <a:buChar char="ü"/>
+            <a:pPr marL="171450" lvl="1" indent="-171450" algn="just">
+              <a:buFont typeface="Arial" panose="020B0604020202020204" pitchFamily="34" charset="0"/>
+              <a:buChar char="•"/>
             </a:pPr>
             <a:r>
               <a:rPr lang="en-IN" sz="1200" dirty="0">
@@ -28247,9 +28233,9 @@
             </a:r>
           </a:p>
           <a:p>
-            <a:pPr lvl="1" algn="just">
-              <a:buFont typeface="Wingdings" pitchFamily="2" charset="2"/>
-              <a:buChar char="ü"/>
+            <a:pPr marL="171450" lvl="1" indent="-171450" algn="just">
+              <a:buFont typeface="Arial" panose="020B0604020202020204" pitchFamily="34" charset="0"/>
+              <a:buChar char="•"/>
             </a:pPr>
             <a:r>
               <a:rPr lang="en-IN" sz="1200" dirty="0">
@@ -28266,33 +28252,6 @@
               <a:t>help users navigate to the correct part of the platform to find the information and services they need.</a:t>
             </a:r>
           </a:p>
-          <a:p>
-            <a:pPr lvl="1" algn="just">
-              <a:buFont typeface="Wingdings" pitchFamily="2" charset="2"/>
-              <a:buChar char="ü"/>
-            </a:pPr>
-            <a:r>
-              <a:rPr lang="en-US" sz="1200" dirty="0">
-                <a:latin typeface="Courier New" pitchFamily="49" charset="0"/>
-                <a:cs typeface="Courier New" pitchFamily="49" charset="0"/>
-              </a:rPr>
-              <a:t>Training and deploying </a:t>
-            </a:r>
-            <a:r>
-              <a:rPr lang="en-IN" sz="1200" dirty="0">
-                <a:latin typeface="Courier New" pitchFamily="49" charset="0"/>
-                <a:cs typeface="Courier New" pitchFamily="49" charset="0"/>
-              </a:rPr>
-              <a:t>Multilingual language model</a:t>
-            </a:r>
-            <a:r>
-              <a:rPr lang="en-US" sz="1200" dirty="0">
-                <a:latin typeface="Courier New" pitchFamily="49" charset="0"/>
-                <a:cs typeface="Courier New" pitchFamily="49" charset="0"/>
-              </a:rPr>
-              <a:t>  requires a lot of computing power.</a:t>
-            </a:r>
-          </a:p>
         </p:txBody>
       </p:sp>
       <p:pic>
@@ -28304,10 +28263,10 @@
           <p:nvPr/>
         </p:nvPicPr>
         <p:blipFill>
-          <a:blip r:embed="rId6">
+          <a:blip r:embed="rId5">
             <a:extLst>
               <a:ext uri="{96DAC541-7B7A-43D3-8B79-37D633B846F1}">
-                <asvg:svgBlip xmlns:asvg="http://schemas.microsoft.com/office/drawing/2016/SVG/main" r:embed="rId7"/>
+                <asvg:svgBlip xmlns:asvg="http://schemas.microsoft.com/office/drawing/2016/SVG/main" r:embed="rId6"/>
               </a:ext>
             </a:extLst>
           </a:blip>
@@ -28325,6 +28284,36 @@
           <a:ln>
             <a:noFill/>
           </a:ln>
+        </p:spPr>
+      </p:pic>
+      <p:pic>
+        <p:nvPicPr>
+          <p:cNvPr id="8" name="Picture 7">
+            <a:extLst>
+              <a:ext uri="{FF2B5EF4-FFF2-40B4-BE49-F238E27FC236}">
+                <a16:creationId xmlns:a16="http://schemas.microsoft.com/office/drawing/2014/main" id="{D1E13185-4CF4-DE30-D6C0-B8DAF7466783}"/>
+              </a:ext>
+            </a:extLst>
+          </p:cNvPr>
+          <p:cNvPicPr>
+            <a:picLocks noChangeAspect="1"/>
+          </p:cNvPicPr>
+          <p:nvPr/>
+        </p:nvPicPr>
+        <p:blipFill>
+          <a:blip r:embed="rId7"/>
+          <a:stretch>
+            <a:fillRect/>
+          </a:stretch>
+        </p:blipFill>
+        <p:spPr>
+          <a:xfrm>
+            <a:off x="10935476" y="5096265"/>
+            <a:ext cx="789549" cy="789549"/>
+          </a:xfrm>
+          <a:prstGeom prst="rect">
+            <a:avLst/>
+          </a:prstGeom>
         </p:spPr>
       </p:pic>
     </p:spTree>
